--- a/ppt 16-9/0386.在人生茫茫的旷野.pptx
+++ b/ppt 16-9/0386.在人生茫茫的旷野.pptx
@@ -5,7 +5,7 @@
     <p:sldMasterId id="2147483648" r:id="rId1"/>
   </p:sldMasterIdLst>
   <p:sldIdLst>
-    <p:sldId id="3307" r:id="rId2"/>
+    <p:sldId id="3309" r:id="rId2"/>
   </p:sldIdLst>
   <p:sldSz cx="12192000" cy="6858000"/>
   <p:notesSz cx="6858000" cy="9144000"/>
@@ -129,7 +129,7 @@
           <p:cNvPr id="2" name="标题 1">
             <a:extLst>
               <a:ext uri="{FF2B5EF4-FFF2-40B4-BE49-F238E27FC236}">
-                <a16:creationId xmlns:a16="http://schemas.microsoft.com/office/drawing/2014/main" id="{088C302D-0BE8-D4DE-5B0A-C0946583A0F7}"/>
+                <a16:creationId xmlns:a16="http://schemas.microsoft.com/office/drawing/2014/main" id="{5D92F681-8B92-7C6B-4AB7-4A1F68038CD9}"/>
               </a:ext>
             </a:extLst>
           </p:cNvPr>
@@ -166,7 +166,7 @@
           <p:cNvPr id="3" name="副标题 2">
             <a:extLst>
               <a:ext uri="{FF2B5EF4-FFF2-40B4-BE49-F238E27FC236}">
-                <a16:creationId xmlns:a16="http://schemas.microsoft.com/office/drawing/2014/main" id="{ECFBBC38-89D7-5349-D3D4-1E6CE748A3EF}"/>
+                <a16:creationId xmlns:a16="http://schemas.microsoft.com/office/drawing/2014/main" id="{A2E26BE0-9463-134D-0778-425D275FE521}"/>
               </a:ext>
             </a:extLst>
           </p:cNvPr>
@@ -236,7 +236,7 @@
           <p:cNvPr id="4" name="日期占位符 3">
             <a:extLst>
               <a:ext uri="{FF2B5EF4-FFF2-40B4-BE49-F238E27FC236}">
-                <a16:creationId xmlns:a16="http://schemas.microsoft.com/office/drawing/2014/main" id="{CC9CD34F-BFD8-DB94-FD43-A23452712044}"/>
+                <a16:creationId xmlns:a16="http://schemas.microsoft.com/office/drawing/2014/main" id="{4FA029D9-FEEB-DAFE-F57D-97BB4CCD16F2}"/>
               </a:ext>
             </a:extLst>
           </p:cNvPr>
@@ -252,7 +252,7 @@
           <a:bodyPr/>
           <a:lstStyle/>
           <a:p>
-            <a:fld id="{E0782F02-9FBA-41D1-AD34-98EF71838692}" type="datetimeFigureOut">
+            <a:fld id="{C4587E63-7C0C-48C9-B6D8-17D62E13D389}" type="datetimeFigureOut">
               <a:rPr lang="zh-CN" altLang="en-US" smtClean="0"/>
               <a:t>2024/3/10</a:t>
             </a:fld>
@@ -265,7 +265,7 @@
           <p:cNvPr id="5" name="页脚占位符 4">
             <a:extLst>
               <a:ext uri="{FF2B5EF4-FFF2-40B4-BE49-F238E27FC236}">
-                <a16:creationId xmlns:a16="http://schemas.microsoft.com/office/drawing/2014/main" id="{A8ABE743-F253-EA2E-2A4C-E426C2EB5D4F}"/>
+                <a16:creationId xmlns:a16="http://schemas.microsoft.com/office/drawing/2014/main" id="{966880FB-1B88-0F79-973A-4EA6AA177B1C}"/>
               </a:ext>
             </a:extLst>
           </p:cNvPr>
@@ -290,7 +290,7 @@
           <p:cNvPr id="6" name="灯片编号占位符 5">
             <a:extLst>
               <a:ext uri="{FF2B5EF4-FFF2-40B4-BE49-F238E27FC236}">
-                <a16:creationId xmlns:a16="http://schemas.microsoft.com/office/drawing/2014/main" id="{6E7FC923-4811-10F9-BD64-CFB6FB4FFB28}"/>
+                <a16:creationId xmlns:a16="http://schemas.microsoft.com/office/drawing/2014/main" id="{A3994640-2018-35EA-A159-217A23929269}"/>
               </a:ext>
             </a:extLst>
           </p:cNvPr>
@@ -306,7 +306,7 @@
           <a:bodyPr/>
           <a:lstStyle/>
           <a:p>
-            <a:fld id="{154E74EE-114E-4E30-BA72-E3531BB30CEF}" type="slidenum">
+            <a:fld id="{6E45A2E5-C723-49EF-A121-0BEFCCBEF7A4}" type="slidenum">
               <a:rPr lang="zh-CN" altLang="en-US" smtClean="0"/>
               <a:t>‹#›</a:t>
             </a:fld>
@@ -317,7 +317,7 @@
     </p:spTree>
     <p:extLst>
       <p:ext uri="{BB962C8B-B14F-4D97-AF65-F5344CB8AC3E}">
-        <p14:creationId xmlns:p14="http://schemas.microsoft.com/office/powerpoint/2010/main" val="4198865083"/>
+        <p14:creationId xmlns:p14="http://schemas.microsoft.com/office/powerpoint/2010/main" val="404004941"/>
       </p:ext>
     </p:extLst>
   </p:cSld>
@@ -349,7 +349,7 @@
           <p:cNvPr id="2" name="标题 1">
             <a:extLst>
               <a:ext uri="{FF2B5EF4-FFF2-40B4-BE49-F238E27FC236}">
-                <a16:creationId xmlns:a16="http://schemas.microsoft.com/office/drawing/2014/main" id="{A25E8129-5D95-FEDD-C596-852EAFA88881}"/>
+                <a16:creationId xmlns:a16="http://schemas.microsoft.com/office/drawing/2014/main" id="{38C36570-A3E2-43E4-270A-A92997E9B47D}"/>
               </a:ext>
             </a:extLst>
           </p:cNvPr>
@@ -377,7 +377,7 @@
           <p:cNvPr id="3" name="竖排文字占位符 2">
             <a:extLst>
               <a:ext uri="{FF2B5EF4-FFF2-40B4-BE49-F238E27FC236}">
-                <a16:creationId xmlns:a16="http://schemas.microsoft.com/office/drawing/2014/main" id="{8EEE7814-E57B-B01D-AC63-64C930CC1E92}"/>
+                <a16:creationId xmlns:a16="http://schemas.microsoft.com/office/drawing/2014/main" id="{01A05758-D1A5-21D0-4D93-F64E8433EEA8}"/>
               </a:ext>
             </a:extLst>
           </p:cNvPr>
@@ -434,7 +434,7 @@
           <p:cNvPr id="4" name="日期占位符 3">
             <a:extLst>
               <a:ext uri="{FF2B5EF4-FFF2-40B4-BE49-F238E27FC236}">
-                <a16:creationId xmlns:a16="http://schemas.microsoft.com/office/drawing/2014/main" id="{84C437D9-A61C-7BF9-5305-4B4402B46187}"/>
+                <a16:creationId xmlns:a16="http://schemas.microsoft.com/office/drawing/2014/main" id="{880DC12F-C8E9-45C1-5A7B-7C3620132670}"/>
               </a:ext>
             </a:extLst>
           </p:cNvPr>
@@ -450,7 +450,7 @@
           <a:bodyPr/>
           <a:lstStyle/>
           <a:p>
-            <a:fld id="{E0782F02-9FBA-41D1-AD34-98EF71838692}" type="datetimeFigureOut">
+            <a:fld id="{C4587E63-7C0C-48C9-B6D8-17D62E13D389}" type="datetimeFigureOut">
               <a:rPr lang="zh-CN" altLang="en-US" smtClean="0"/>
               <a:t>2024/3/10</a:t>
             </a:fld>
@@ -463,7 +463,7 @@
           <p:cNvPr id="5" name="页脚占位符 4">
             <a:extLst>
               <a:ext uri="{FF2B5EF4-FFF2-40B4-BE49-F238E27FC236}">
-                <a16:creationId xmlns:a16="http://schemas.microsoft.com/office/drawing/2014/main" id="{73B571A8-0E84-33AC-AB2B-B8FF28B9A451}"/>
+                <a16:creationId xmlns:a16="http://schemas.microsoft.com/office/drawing/2014/main" id="{E46353B3-49F0-C3AF-A6D4-84845C8826DE}"/>
               </a:ext>
             </a:extLst>
           </p:cNvPr>
@@ -488,7 +488,7 @@
           <p:cNvPr id="6" name="灯片编号占位符 5">
             <a:extLst>
               <a:ext uri="{FF2B5EF4-FFF2-40B4-BE49-F238E27FC236}">
-                <a16:creationId xmlns:a16="http://schemas.microsoft.com/office/drawing/2014/main" id="{8C11BBCC-41E8-3B76-B7BE-58418B6DFB31}"/>
+                <a16:creationId xmlns:a16="http://schemas.microsoft.com/office/drawing/2014/main" id="{1567C842-99B5-D2A0-B888-7257BF941577}"/>
               </a:ext>
             </a:extLst>
           </p:cNvPr>
@@ -504,7 +504,7 @@
           <a:bodyPr/>
           <a:lstStyle/>
           <a:p>
-            <a:fld id="{154E74EE-114E-4E30-BA72-E3531BB30CEF}" type="slidenum">
+            <a:fld id="{6E45A2E5-C723-49EF-A121-0BEFCCBEF7A4}" type="slidenum">
               <a:rPr lang="zh-CN" altLang="en-US" smtClean="0"/>
               <a:t>‹#›</a:t>
             </a:fld>
@@ -515,7 +515,7 @@
     </p:spTree>
     <p:extLst>
       <p:ext uri="{BB962C8B-B14F-4D97-AF65-F5344CB8AC3E}">
-        <p14:creationId xmlns:p14="http://schemas.microsoft.com/office/powerpoint/2010/main" val="1426838026"/>
+        <p14:creationId xmlns:p14="http://schemas.microsoft.com/office/powerpoint/2010/main" val="4268966044"/>
       </p:ext>
     </p:extLst>
   </p:cSld>
@@ -547,7 +547,7 @@
           <p:cNvPr id="2" name="竖排标题 1">
             <a:extLst>
               <a:ext uri="{FF2B5EF4-FFF2-40B4-BE49-F238E27FC236}">
-                <a16:creationId xmlns:a16="http://schemas.microsoft.com/office/drawing/2014/main" id="{DBA8EB36-01AE-D15C-905B-E14490B4677E}"/>
+                <a16:creationId xmlns:a16="http://schemas.microsoft.com/office/drawing/2014/main" id="{676048F2-2E19-68FA-05DE-3C5087E9F9C8}"/>
               </a:ext>
             </a:extLst>
           </p:cNvPr>
@@ -580,7 +580,7 @@
           <p:cNvPr id="3" name="竖排文字占位符 2">
             <a:extLst>
               <a:ext uri="{FF2B5EF4-FFF2-40B4-BE49-F238E27FC236}">
-                <a16:creationId xmlns:a16="http://schemas.microsoft.com/office/drawing/2014/main" id="{AF14617B-4B38-C667-0299-FB5EBE05DCAC}"/>
+                <a16:creationId xmlns:a16="http://schemas.microsoft.com/office/drawing/2014/main" id="{0F86B62B-67BC-9283-4A70-77C6A29F5C13}"/>
               </a:ext>
             </a:extLst>
           </p:cNvPr>
@@ -642,7 +642,7 @@
           <p:cNvPr id="4" name="日期占位符 3">
             <a:extLst>
               <a:ext uri="{FF2B5EF4-FFF2-40B4-BE49-F238E27FC236}">
-                <a16:creationId xmlns:a16="http://schemas.microsoft.com/office/drawing/2014/main" id="{1220D322-3592-12C1-3101-1D9C8525D022}"/>
+                <a16:creationId xmlns:a16="http://schemas.microsoft.com/office/drawing/2014/main" id="{CF4F6D5F-7E29-3029-F84F-24F247145EDF}"/>
               </a:ext>
             </a:extLst>
           </p:cNvPr>
@@ -658,7 +658,7 @@
           <a:bodyPr/>
           <a:lstStyle/>
           <a:p>
-            <a:fld id="{E0782F02-9FBA-41D1-AD34-98EF71838692}" type="datetimeFigureOut">
+            <a:fld id="{C4587E63-7C0C-48C9-B6D8-17D62E13D389}" type="datetimeFigureOut">
               <a:rPr lang="zh-CN" altLang="en-US" smtClean="0"/>
               <a:t>2024/3/10</a:t>
             </a:fld>
@@ -671,7 +671,7 @@
           <p:cNvPr id="5" name="页脚占位符 4">
             <a:extLst>
               <a:ext uri="{FF2B5EF4-FFF2-40B4-BE49-F238E27FC236}">
-                <a16:creationId xmlns:a16="http://schemas.microsoft.com/office/drawing/2014/main" id="{B5982267-27EB-D7E5-602D-3BED19CAFE54}"/>
+                <a16:creationId xmlns:a16="http://schemas.microsoft.com/office/drawing/2014/main" id="{D2160482-4DF9-AF36-35B6-E2A0EDE0CA62}"/>
               </a:ext>
             </a:extLst>
           </p:cNvPr>
@@ -696,7 +696,7 @@
           <p:cNvPr id="6" name="灯片编号占位符 5">
             <a:extLst>
               <a:ext uri="{FF2B5EF4-FFF2-40B4-BE49-F238E27FC236}">
-                <a16:creationId xmlns:a16="http://schemas.microsoft.com/office/drawing/2014/main" id="{FE428FA1-1C67-1756-B380-D9413A419885}"/>
+                <a16:creationId xmlns:a16="http://schemas.microsoft.com/office/drawing/2014/main" id="{974B6E9A-C210-2CA4-F1CA-C1324DA93494}"/>
               </a:ext>
             </a:extLst>
           </p:cNvPr>
@@ -712,7 +712,7 @@
           <a:bodyPr/>
           <a:lstStyle/>
           <a:p>
-            <a:fld id="{154E74EE-114E-4E30-BA72-E3531BB30CEF}" type="slidenum">
+            <a:fld id="{6E45A2E5-C723-49EF-A121-0BEFCCBEF7A4}" type="slidenum">
               <a:rPr lang="zh-CN" altLang="en-US" smtClean="0"/>
               <a:t>‹#›</a:t>
             </a:fld>
@@ -723,7 +723,7 @@
     </p:spTree>
     <p:extLst>
       <p:ext uri="{BB962C8B-B14F-4D97-AF65-F5344CB8AC3E}">
-        <p14:creationId xmlns:p14="http://schemas.microsoft.com/office/powerpoint/2010/main" val="2455410240"/>
+        <p14:creationId xmlns:p14="http://schemas.microsoft.com/office/powerpoint/2010/main" val="551921908"/>
       </p:ext>
     </p:extLst>
   </p:cSld>
@@ -755,7 +755,7 @@
           <p:cNvPr id="2" name="标题 1">
             <a:extLst>
               <a:ext uri="{FF2B5EF4-FFF2-40B4-BE49-F238E27FC236}">
-                <a16:creationId xmlns:a16="http://schemas.microsoft.com/office/drawing/2014/main" id="{AF8236F5-055E-2451-8AC7-AD65FAFC730F}"/>
+                <a16:creationId xmlns:a16="http://schemas.microsoft.com/office/drawing/2014/main" id="{ACB625A3-B18E-6603-C7A0-C7CE176FF836}"/>
               </a:ext>
             </a:extLst>
           </p:cNvPr>
@@ -783,7 +783,7 @@
           <p:cNvPr id="3" name="内容占位符 2">
             <a:extLst>
               <a:ext uri="{FF2B5EF4-FFF2-40B4-BE49-F238E27FC236}">
-                <a16:creationId xmlns:a16="http://schemas.microsoft.com/office/drawing/2014/main" id="{5A9E986C-F75A-8B30-C95F-A3437B6AF125}"/>
+                <a16:creationId xmlns:a16="http://schemas.microsoft.com/office/drawing/2014/main" id="{3B99A276-DF3B-0594-00B5-A4A40D2ACA74}"/>
               </a:ext>
             </a:extLst>
           </p:cNvPr>
@@ -840,7 +840,7 @@
           <p:cNvPr id="4" name="日期占位符 3">
             <a:extLst>
               <a:ext uri="{FF2B5EF4-FFF2-40B4-BE49-F238E27FC236}">
-                <a16:creationId xmlns:a16="http://schemas.microsoft.com/office/drawing/2014/main" id="{16E9AF6C-1AE1-3346-1787-1DCB5979B937}"/>
+                <a16:creationId xmlns:a16="http://schemas.microsoft.com/office/drawing/2014/main" id="{662AA2C9-EF94-06D9-5A9E-B42B8770C86D}"/>
               </a:ext>
             </a:extLst>
           </p:cNvPr>
@@ -856,7 +856,7 @@
           <a:bodyPr/>
           <a:lstStyle/>
           <a:p>
-            <a:fld id="{E0782F02-9FBA-41D1-AD34-98EF71838692}" type="datetimeFigureOut">
+            <a:fld id="{C4587E63-7C0C-48C9-B6D8-17D62E13D389}" type="datetimeFigureOut">
               <a:rPr lang="zh-CN" altLang="en-US" smtClean="0"/>
               <a:t>2024/3/10</a:t>
             </a:fld>
@@ -869,7 +869,7 @@
           <p:cNvPr id="5" name="页脚占位符 4">
             <a:extLst>
               <a:ext uri="{FF2B5EF4-FFF2-40B4-BE49-F238E27FC236}">
-                <a16:creationId xmlns:a16="http://schemas.microsoft.com/office/drawing/2014/main" id="{15A74A9D-6AFA-D3F7-DD1E-61AA16055CF3}"/>
+                <a16:creationId xmlns:a16="http://schemas.microsoft.com/office/drawing/2014/main" id="{051199F8-65B4-FB24-5B27-D4D949D577F5}"/>
               </a:ext>
             </a:extLst>
           </p:cNvPr>
@@ -894,7 +894,7 @@
           <p:cNvPr id="6" name="灯片编号占位符 5">
             <a:extLst>
               <a:ext uri="{FF2B5EF4-FFF2-40B4-BE49-F238E27FC236}">
-                <a16:creationId xmlns:a16="http://schemas.microsoft.com/office/drawing/2014/main" id="{06ED54F6-96AC-7009-482D-D73585600A4C}"/>
+                <a16:creationId xmlns:a16="http://schemas.microsoft.com/office/drawing/2014/main" id="{93FE54E5-B7B3-28C8-A825-C8AE72CBF4A5}"/>
               </a:ext>
             </a:extLst>
           </p:cNvPr>
@@ -910,7 +910,7 @@
           <a:bodyPr/>
           <a:lstStyle/>
           <a:p>
-            <a:fld id="{154E74EE-114E-4E30-BA72-E3531BB30CEF}" type="slidenum">
+            <a:fld id="{6E45A2E5-C723-49EF-A121-0BEFCCBEF7A4}" type="slidenum">
               <a:rPr lang="zh-CN" altLang="en-US" smtClean="0"/>
               <a:t>‹#›</a:t>
             </a:fld>
@@ -921,7 +921,7 @@
     </p:spTree>
     <p:extLst>
       <p:ext uri="{BB962C8B-B14F-4D97-AF65-F5344CB8AC3E}">
-        <p14:creationId xmlns:p14="http://schemas.microsoft.com/office/powerpoint/2010/main" val="4274428244"/>
+        <p14:creationId xmlns:p14="http://schemas.microsoft.com/office/powerpoint/2010/main" val="1091034625"/>
       </p:ext>
     </p:extLst>
   </p:cSld>
@@ -953,7 +953,7 @@
           <p:cNvPr id="2" name="标题 1">
             <a:extLst>
               <a:ext uri="{FF2B5EF4-FFF2-40B4-BE49-F238E27FC236}">
-                <a16:creationId xmlns:a16="http://schemas.microsoft.com/office/drawing/2014/main" id="{F4FADB58-4B12-FF2C-9064-D092059ECF8C}"/>
+                <a16:creationId xmlns:a16="http://schemas.microsoft.com/office/drawing/2014/main" id="{688DE400-D9AE-7F5C-6BD8-628218593F88}"/>
               </a:ext>
             </a:extLst>
           </p:cNvPr>
@@ -990,7 +990,7 @@
           <p:cNvPr id="3" name="文本占位符 2">
             <a:extLst>
               <a:ext uri="{FF2B5EF4-FFF2-40B4-BE49-F238E27FC236}">
-                <a16:creationId xmlns:a16="http://schemas.microsoft.com/office/drawing/2014/main" id="{63B01152-2B4B-8548-413B-43833420C6B5}"/>
+                <a16:creationId xmlns:a16="http://schemas.microsoft.com/office/drawing/2014/main" id="{961559BB-9AB3-2B06-1C8E-B2A560E24925}"/>
               </a:ext>
             </a:extLst>
           </p:cNvPr>
@@ -1115,7 +1115,7 @@
           <p:cNvPr id="4" name="日期占位符 3">
             <a:extLst>
               <a:ext uri="{FF2B5EF4-FFF2-40B4-BE49-F238E27FC236}">
-                <a16:creationId xmlns:a16="http://schemas.microsoft.com/office/drawing/2014/main" id="{08C38802-C3FC-571D-E3D3-DCA929B60B7A}"/>
+                <a16:creationId xmlns:a16="http://schemas.microsoft.com/office/drawing/2014/main" id="{B98FC73E-577D-2A02-0402-42F9E1DB7A03}"/>
               </a:ext>
             </a:extLst>
           </p:cNvPr>
@@ -1131,7 +1131,7 @@
           <a:bodyPr/>
           <a:lstStyle/>
           <a:p>
-            <a:fld id="{E0782F02-9FBA-41D1-AD34-98EF71838692}" type="datetimeFigureOut">
+            <a:fld id="{C4587E63-7C0C-48C9-B6D8-17D62E13D389}" type="datetimeFigureOut">
               <a:rPr lang="zh-CN" altLang="en-US" smtClean="0"/>
               <a:t>2024/3/10</a:t>
             </a:fld>
@@ -1144,7 +1144,7 @@
           <p:cNvPr id="5" name="页脚占位符 4">
             <a:extLst>
               <a:ext uri="{FF2B5EF4-FFF2-40B4-BE49-F238E27FC236}">
-                <a16:creationId xmlns:a16="http://schemas.microsoft.com/office/drawing/2014/main" id="{FFEBBD72-1D37-340A-FD33-058CABE2A4E2}"/>
+                <a16:creationId xmlns:a16="http://schemas.microsoft.com/office/drawing/2014/main" id="{8AD91C6F-FC82-9684-399C-84E81541DBC6}"/>
               </a:ext>
             </a:extLst>
           </p:cNvPr>
@@ -1169,7 +1169,7 @@
           <p:cNvPr id="6" name="灯片编号占位符 5">
             <a:extLst>
               <a:ext uri="{FF2B5EF4-FFF2-40B4-BE49-F238E27FC236}">
-                <a16:creationId xmlns:a16="http://schemas.microsoft.com/office/drawing/2014/main" id="{C558F5B5-D37E-0344-CC46-BA1509920A4D}"/>
+                <a16:creationId xmlns:a16="http://schemas.microsoft.com/office/drawing/2014/main" id="{E7523956-101D-ED89-803E-AE0AFB2BA23A}"/>
               </a:ext>
             </a:extLst>
           </p:cNvPr>
@@ -1185,7 +1185,7 @@
           <a:bodyPr/>
           <a:lstStyle/>
           <a:p>
-            <a:fld id="{154E74EE-114E-4E30-BA72-E3531BB30CEF}" type="slidenum">
+            <a:fld id="{6E45A2E5-C723-49EF-A121-0BEFCCBEF7A4}" type="slidenum">
               <a:rPr lang="zh-CN" altLang="en-US" smtClean="0"/>
               <a:t>‹#›</a:t>
             </a:fld>
@@ -1196,7 +1196,7 @@
     </p:spTree>
     <p:extLst>
       <p:ext uri="{BB962C8B-B14F-4D97-AF65-F5344CB8AC3E}">
-        <p14:creationId xmlns:p14="http://schemas.microsoft.com/office/powerpoint/2010/main" val="2541921562"/>
+        <p14:creationId xmlns:p14="http://schemas.microsoft.com/office/powerpoint/2010/main" val="975614160"/>
       </p:ext>
     </p:extLst>
   </p:cSld>
@@ -1228,7 +1228,7 @@
           <p:cNvPr id="2" name="标题 1">
             <a:extLst>
               <a:ext uri="{FF2B5EF4-FFF2-40B4-BE49-F238E27FC236}">
-                <a16:creationId xmlns:a16="http://schemas.microsoft.com/office/drawing/2014/main" id="{21DC4ED3-437E-21DB-D49F-B5C19F85E4C1}"/>
+                <a16:creationId xmlns:a16="http://schemas.microsoft.com/office/drawing/2014/main" id="{96F5E615-D615-54E9-D64D-2385DB2B7F06}"/>
               </a:ext>
             </a:extLst>
           </p:cNvPr>
@@ -1256,7 +1256,7 @@
           <p:cNvPr id="3" name="内容占位符 2">
             <a:extLst>
               <a:ext uri="{FF2B5EF4-FFF2-40B4-BE49-F238E27FC236}">
-                <a16:creationId xmlns:a16="http://schemas.microsoft.com/office/drawing/2014/main" id="{714FCC96-DA7F-57DE-230C-24526920799D}"/>
+                <a16:creationId xmlns:a16="http://schemas.microsoft.com/office/drawing/2014/main" id="{7F7D04C7-B917-18B7-21DC-45427CC5E61A}"/>
               </a:ext>
             </a:extLst>
           </p:cNvPr>
@@ -1318,7 +1318,7 @@
           <p:cNvPr id="4" name="内容占位符 3">
             <a:extLst>
               <a:ext uri="{FF2B5EF4-FFF2-40B4-BE49-F238E27FC236}">
-                <a16:creationId xmlns:a16="http://schemas.microsoft.com/office/drawing/2014/main" id="{C6607D27-761B-2C0A-0933-C1DEC7CA6297}"/>
+                <a16:creationId xmlns:a16="http://schemas.microsoft.com/office/drawing/2014/main" id="{CB59038E-B080-BA8D-836C-3F4BB24413AC}"/>
               </a:ext>
             </a:extLst>
           </p:cNvPr>
@@ -1380,7 +1380,7 @@
           <p:cNvPr id="5" name="日期占位符 4">
             <a:extLst>
               <a:ext uri="{FF2B5EF4-FFF2-40B4-BE49-F238E27FC236}">
-                <a16:creationId xmlns:a16="http://schemas.microsoft.com/office/drawing/2014/main" id="{EBB271E0-38A4-D25C-9724-713B9EB53882}"/>
+                <a16:creationId xmlns:a16="http://schemas.microsoft.com/office/drawing/2014/main" id="{FB2FDA1D-E2FB-5B57-F62D-E7C3938E0B01}"/>
               </a:ext>
             </a:extLst>
           </p:cNvPr>
@@ -1396,7 +1396,7 @@
           <a:bodyPr/>
           <a:lstStyle/>
           <a:p>
-            <a:fld id="{E0782F02-9FBA-41D1-AD34-98EF71838692}" type="datetimeFigureOut">
+            <a:fld id="{C4587E63-7C0C-48C9-B6D8-17D62E13D389}" type="datetimeFigureOut">
               <a:rPr lang="zh-CN" altLang="en-US" smtClean="0"/>
               <a:t>2024/3/10</a:t>
             </a:fld>
@@ -1409,7 +1409,7 @@
           <p:cNvPr id="6" name="页脚占位符 5">
             <a:extLst>
               <a:ext uri="{FF2B5EF4-FFF2-40B4-BE49-F238E27FC236}">
-                <a16:creationId xmlns:a16="http://schemas.microsoft.com/office/drawing/2014/main" id="{BD20325B-BE19-5B72-6B15-13FCD05E4859}"/>
+                <a16:creationId xmlns:a16="http://schemas.microsoft.com/office/drawing/2014/main" id="{EA4124F6-693F-A63F-6863-358AFF561E9C}"/>
               </a:ext>
             </a:extLst>
           </p:cNvPr>
@@ -1434,7 +1434,7 @@
           <p:cNvPr id="7" name="灯片编号占位符 6">
             <a:extLst>
               <a:ext uri="{FF2B5EF4-FFF2-40B4-BE49-F238E27FC236}">
-                <a16:creationId xmlns:a16="http://schemas.microsoft.com/office/drawing/2014/main" id="{439F8E45-C345-172B-3D5F-4883BFCEABDF}"/>
+                <a16:creationId xmlns:a16="http://schemas.microsoft.com/office/drawing/2014/main" id="{9438EB1C-8FDC-1C92-4162-897A24E5DC6A}"/>
               </a:ext>
             </a:extLst>
           </p:cNvPr>
@@ -1450,7 +1450,7 @@
           <a:bodyPr/>
           <a:lstStyle/>
           <a:p>
-            <a:fld id="{154E74EE-114E-4E30-BA72-E3531BB30CEF}" type="slidenum">
+            <a:fld id="{6E45A2E5-C723-49EF-A121-0BEFCCBEF7A4}" type="slidenum">
               <a:rPr lang="zh-CN" altLang="en-US" smtClean="0"/>
               <a:t>‹#›</a:t>
             </a:fld>
@@ -1461,7 +1461,7 @@
     </p:spTree>
     <p:extLst>
       <p:ext uri="{BB962C8B-B14F-4D97-AF65-F5344CB8AC3E}">
-        <p14:creationId xmlns:p14="http://schemas.microsoft.com/office/powerpoint/2010/main" val="4268661183"/>
+        <p14:creationId xmlns:p14="http://schemas.microsoft.com/office/powerpoint/2010/main" val="1052321902"/>
       </p:ext>
     </p:extLst>
   </p:cSld>
@@ -1493,7 +1493,7 @@
           <p:cNvPr id="2" name="标题 1">
             <a:extLst>
               <a:ext uri="{FF2B5EF4-FFF2-40B4-BE49-F238E27FC236}">
-                <a16:creationId xmlns:a16="http://schemas.microsoft.com/office/drawing/2014/main" id="{27D4AB98-A4F9-7616-F84B-06932E7DCB86}"/>
+                <a16:creationId xmlns:a16="http://schemas.microsoft.com/office/drawing/2014/main" id="{FBA456F2-9797-1A0F-5BD6-7004E3B1DD6C}"/>
               </a:ext>
             </a:extLst>
           </p:cNvPr>
@@ -1526,7 +1526,7 @@
           <p:cNvPr id="3" name="文本占位符 2">
             <a:extLst>
               <a:ext uri="{FF2B5EF4-FFF2-40B4-BE49-F238E27FC236}">
-                <a16:creationId xmlns:a16="http://schemas.microsoft.com/office/drawing/2014/main" id="{5188E23B-E3F4-B0CD-7E7F-0EEC7A5220AF}"/>
+                <a16:creationId xmlns:a16="http://schemas.microsoft.com/office/drawing/2014/main" id="{F5B2039D-D142-9973-D9DF-24F8169C0EB4}"/>
               </a:ext>
             </a:extLst>
           </p:cNvPr>
@@ -1597,7 +1597,7 @@
           <p:cNvPr id="4" name="内容占位符 3">
             <a:extLst>
               <a:ext uri="{FF2B5EF4-FFF2-40B4-BE49-F238E27FC236}">
-                <a16:creationId xmlns:a16="http://schemas.microsoft.com/office/drawing/2014/main" id="{8FA4842E-D7BF-6B97-70AF-0FE6F3A5ADF5}"/>
+                <a16:creationId xmlns:a16="http://schemas.microsoft.com/office/drawing/2014/main" id="{25EFE491-A5F0-CDCA-D742-C03D3F086DC6}"/>
               </a:ext>
             </a:extLst>
           </p:cNvPr>
@@ -1659,7 +1659,7 @@
           <p:cNvPr id="5" name="文本占位符 4">
             <a:extLst>
               <a:ext uri="{FF2B5EF4-FFF2-40B4-BE49-F238E27FC236}">
-                <a16:creationId xmlns:a16="http://schemas.microsoft.com/office/drawing/2014/main" id="{232C9D67-D177-364F-BF9A-A9C6E19FDA6F}"/>
+                <a16:creationId xmlns:a16="http://schemas.microsoft.com/office/drawing/2014/main" id="{01E0A598-4FCD-F441-89D7-A1552C4FB14A}"/>
               </a:ext>
             </a:extLst>
           </p:cNvPr>
@@ -1730,7 +1730,7 @@
           <p:cNvPr id="6" name="内容占位符 5">
             <a:extLst>
               <a:ext uri="{FF2B5EF4-FFF2-40B4-BE49-F238E27FC236}">
-                <a16:creationId xmlns:a16="http://schemas.microsoft.com/office/drawing/2014/main" id="{EA11D01D-7FFB-F91A-7C07-92F00DB1C0A1}"/>
+                <a16:creationId xmlns:a16="http://schemas.microsoft.com/office/drawing/2014/main" id="{9B704E34-260C-9A40-AD39-949568859E9C}"/>
               </a:ext>
             </a:extLst>
           </p:cNvPr>
@@ -1792,7 +1792,7 @@
           <p:cNvPr id="7" name="日期占位符 6">
             <a:extLst>
               <a:ext uri="{FF2B5EF4-FFF2-40B4-BE49-F238E27FC236}">
-                <a16:creationId xmlns:a16="http://schemas.microsoft.com/office/drawing/2014/main" id="{16EC88AD-83FB-B2D9-D3BB-4BD7107ADAC4}"/>
+                <a16:creationId xmlns:a16="http://schemas.microsoft.com/office/drawing/2014/main" id="{1C69B1A7-4A6A-3D88-99E6-0ADA58E17A34}"/>
               </a:ext>
             </a:extLst>
           </p:cNvPr>
@@ -1808,7 +1808,7 @@
           <a:bodyPr/>
           <a:lstStyle/>
           <a:p>
-            <a:fld id="{E0782F02-9FBA-41D1-AD34-98EF71838692}" type="datetimeFigureOut">
+            <a:fld id="{C4587E63-7C0C-48C9-B6D8-17D62E13D389}" type="datetimeFigureOut">
               <a:rPr lang="zh-CN" altLang="en-US" smtClean="0"/>
               <a:t>2024/3/10</a:t>
             </a:fld>
@@ -1821,7 +1821,7 @@
           <p:cNvPr id="8" name="页脚占位符 7">
             <a:extLst>
               <a:ext uri="{FF2B5EF4-FFF2-40B4-BE49-F238E27FC236}">
-                <a16:creationId xmlns:a16="http://schemas.microsoft.com/office/drawing/2014/main" id="{50E4AC9A-98A3-3DB5-DA64-AE1BF68F4E98}"/>
+                <a16:creationId xmlns:a16="http://schemas.microsoft.com/office/drawing/2014/main" id="{C3638408-6C32-C69C-29A2-0B277F92B5B3}"/>
               </a:ext>
             </a:extLst>
           </p:cNvPr>
@@ -1846,7 +1846,7 @@
           <p:cNvPr id="9" name="灯片编号占位符 8">
             <a:extLst>
               <a:ext uri="{FF2B5EF4-FFF2-40B4-BE49-F238E27FC236}">
-                <a16:creationId xmlns:a16="http://schemas.microsoft.com/office/drawing/2014/main" id="{E8E2F561-A5C3-A664-8B7A-980CA65538CC}"/>
+                <a16:creationId xmlns:a16="http://schemas.microsoft.com/office/drawing/2014/main" id="{0B56C86E-5AD1-A7F6-39BA-D221D55D71E7}"/>
               </a:ext>
             </a:extLst>
           </p:cNvPr>
@@ -1862,7 +1862,7 @@
           <a:bodyPr/>
           <a:lstStyle/>
           <a:p>
-            <a:fld id="{154E74EE-114E-4E30-BA72-E3531BB30CEF}" type="slidenum">
+            <a:fld id="{6E45A2E5-C723-49EF-A121-0BEFCCBEF7A4}" type="slidenum">
               <a:rPr lang="zh-CN" altLang="en-US" smtClean="0"/>
               <a:t>‹#›</a:t>
             </a:fld>
@@ -1873,7 +1873,7 @@
     </p:spTree>
     <p:extLst>
       <p:ext uri="{BB962C8B-B14F-4D97-AF65-F5344CB8AC3E}">
-        <p14:creationId xmlns:p14="http://schemas.microsoft.com/office/powerpoint/2010/main" val="628897426"/>
+        <p14:creationId xmlns:p14="http://schemas.microsoft.com/office/powerpoint/2010/main" val="4015915941"/>
       </p:ext>
     </p:extLst>
   </p:cSld>
@@ -1905,7 +1905,7 @@
           <p:cNvPr id="2" name="标题 1">
             <a:extLst>
               <a:ext uri="{FF2B5EF4-FFF2-40B4-BE49-F238E27FC236}">
-                <a16:creationId xmlns:a16="http://schemas.microsoft.com/office/drawing/2014/main" id="{016E930E-FECB-E2E6-2A0E-D1E024048A81}"/>
+                <a16:creationId xmlns:a16="http://schemas.microsoft.com/office/drawing/2014/main" id="{ECD5D202-7AA9-CBC8-7518-EFFF80691230}"/>
               </a:ext>
             </a:extLst>
           </p:cNvPr>
@@ -1933,7 +1933,7 @@
           <p:cNvPr id="3" name="日期占位符 2">
             <a:extLst>
               <a:ext uri="{FF2B5EF4-FFF2-40B4-BE49-F238E27FC236}">
-                <a16:creationId xmlns:a16="http://schemas.microsoft.com/office/drawing/2014/main" id="{1E174653-6478-954D-7335-40D90F046791}"/>
+                <a16:creationId xmlns:a16="http://schemas.microsoft.com/office/drawing/2014/main" id="{DA3A373F-142F-2C4A-8872-7B2DE09909EE}"/>
               </a:ext>
             </a:extLst>
           </p:cNvPr>
@@ -1949,7 +1949,7 @@
           <a:bodyPr/>
           <a:lstStyle/>
           <a:p>
-            <a:fld id="{E0782F02-9FBA-41D1-AD34-98EF71838692}" type="datetimeFigureOut">
+            <a:fld id="{C4587E63-7C0C-48C9-B6D8-17D62E13D389}" type="datetimeFigureOut">
               <a:rPr lang="zh-CN" altLang="en-US" smtClean="0"/>
               <a:t>2024/3/10</a:t>
             </a:fld>
@@ -1962,7 +1962,7 @@
           <p:cNvPr id="4" name="页脚占位符 3">
             <a:extLst>
               <a:ext uri="{FF2B5EF4-FFF2-40B4-BE49-F238E27FC236}">
-                <a16:creationId xmlns:a16="http://schemas.microsoft.com/office/drawing/2014/main" id="{4689E931-9ECD-EC3C-F1D5-83E0BA053778}"/>
+                <a16:creationId xmlns:a16="http://schemas.microsoft.com/office/drawing/2014/main" id="{903E2476-F933-449E-13BD-878BF902ABB8}"/>
               </a:ext>
             </a:extLst>
           </p:cNvPr>
@@ -1987,7 +1987,7 @@
           <p:cNvPr id="5" name="灯片编号占位符 4">
             <a:extLst>
               <a:ext uri="{FF2B5EF4-FFF2-40B4-BE49-F238E27FC236}">
-                <a16:creationId xmlns:a16="http://schemas.microsoft.com/office/drawing/2014/main" id="{B345DEDE-5541-B0B5-6702-88BE048350E7}"/>
+                <a16:creationId xmlns:a16="http://schemas.microsoft.com/office/drawing/2014/main" id="{D2EF28E6-753D-A405-6090-79BF735B72DC}"/>
               </a:ext>
             </a:extLst>
           </p:cNvPr>
@@ -2003,7 +2003,7 @@
           <a:bodyPr/>
           <a:lstStyle/>
           <a:p>
-            <a:fld id="{154E74EE-114E-4E30-BA72-E3531BB30CEF}" type="slidenum">
+            <a:fld id="{6E45A2E5-C723-49EF-A121-0BEFCCBEF7A4}" type="slidenum">
               <a:rPr lang="zh-CN" altLang="en-US" smtClean="0"/>
               <a:t>‹#›</a:t>
             </a:fld>
@@ -2014,7 +2014,7 @@
     </p:spTree>
     <p:extLst>
       <p:ext uri="{BB962C8B-B14F-4D97-AF65-F5344CB8AC3E}">
-        <p14:creationId xmlns:p14="http://schemas.microsoft.com/office/powerpoint/2010/main" val="3274240258"/>
+        <p14:creationId xmlns:p14="http://schemas.microsoft.com/office/powerpoint/2010/main" val="2024399072"/>
       </p:ext>
     </p:extLst>
   </p:cSld>
@@ -2046,7 +2046,7 @@
           <p:cNvPr id="2" name="日期占位符 1">
             <a:extLst>
               <a:ext uri="{FF2B5EF4-FFF2-40B4-BE49-F238E27FC236}">
-                <a16:creationId xmlns:a16="http://schemas.microsoft.com/office/drawing/2014/main" id="{078C398D-28D0-8D23-03D7-FBAA29AB4B70}"/>
+                <a16:creationId xmlns:a16="http://schemas.microsoft.com/office/drawing/2014/main" id="{590FA5B7-A84A-5B52-3608-56F5EDEA4A4A}"/>
               </a:ext>
             </a:extLst>
           </p:cNvPr>
@@ -2062,7 +2062,7 @@
           <a:bodyPr/>
           <a:lstStyle/>
           <a:p>
-            <a:fld id="{E0782F02-9FBA-41D1-AD34-98EF71838692}" type="datetimeFigureOut">
+            <a:fld id="{C4587E63-7C0C-48C9-B6D8-17D62E13D389}" type="datetimeFigureOut">
               <a:rPr lang="zh-CN" altLang="en-US" smtClean="0"/>
               <a:t>2024/3/10</a:t>
             </a:fld>
@@ -2075,7 +2075,7 @@
           <p:cNvPr id="3" name="页脚占位符 2">
             <a:extLst>
               <a:ext uri="{FF2B5EF4-FFF2-40B4-BE49-F238E27FC236}">
-                <a16:creationId xmlns:a16="http://schemas.microsoft.com/office/drawing/2014/main" id="{D5842F4B-5128-494B-3887-ACEA6861ABF5}"/>
+                <a16:creationId xmlns:a16="http://schemas.microsoft.com/office/drawing/2014/main" id="{ECD154A5-B244-6F85-DC16-A3ECE5819B76}"/>
               </a:ext>
             </a:extLst>
           </p:cNvPr>
@@ -2100,7 +2100,7 @@
           <p:cNvPr id="4" name="灯片编号占位符 3">
             <a:extLst>
               <a:ext uri="{FF2B5EF4-FFF2-40B4-BE49-F238E27FC236}">
-                <a16:creationId xmlns:a16="http://schemas.microsoft.com/office/drawing/2014/main" id="{4571ADDF-0697-90E4-B256-39C9E6FDAC51}"/>
+                <a16:creationId xmlns:a16="http://schemas.microsoft.com/office/drawing/2014/main" id="{C6D2F988-830F-2215-4CB8-DE80D9A6B637}"/>
               </a:ext>
             </a:extLst>
           </p:cNvPr>
@@ -2116,7 +2116,7 @@
           <a:bodyPr/>
           <a:lstStyle/>
           <a:p>
-            <a:fld id="{154E74EE-114E-4E30-BA72-E3531BB30CEF}" type="slidenum">
+            <a:fld id="{6E45A2E5-C723-49EF-A121-0BEFCCBEF7A4}" type="slidenum">
               <a:rPr lang="zh-CN" altLang="en-US" smtClean="0"/>
               <a:t>‹#›</a:t>
             </a:fld>
@@ -2127,7 +2127,7 @@
     </p:spTree>
     <p:extLst>
       <p:ext uri="{BB962C8B-B14F-4D97-AF65-F5344CB8AC3E}">
-        <p14:creationId xmlns:p14="http://schemas.microsoft.com/office/powerpoint/2010/main" val="2908635327"/>
+        <p14:creationId xmlns:p14="http://schemas.microsoft.com/office/powerpoint/2010/main" val="2173990138"/>
       </p:ext>
     </p:extLst>
   </p:cSld>
@@ -2159,7 +2159,7 @@
           <p:cNvPr id="2" name="标题 1">
             <a:extLst>
               <a:ext uri="{FF2B5EF4-FFF2-40B4-BE49-F238E27FC236}">
-                <a16:creationId xmlns:a16="http://schemas.microsoft.com/office/drawing/2014/main" id="{0A15DC15-6154-7AF2-2730-E84A37192B7D}"/>
+                <a16:creationId xmlns:a16="http://schemas.microsoft.com/office/drawing/2014/main" id="{AF9B24C6-3C32-010F-D822-5A3818CB9B72}"/>
               </a:ext>
             </a:extLst>
           </p:cNvPr>
@@ -2196,7 +2196,7 @@
           <p:cNvPr id="3" name="内容占位符 2">
             <a:extLst>
               <a:ext uri="{FF2B5EF4-FFF2-40B4-BE49-F238E27FC236}">
-                <a16:creationId xmlns:a16="http://schemas.microsoft.com/office/drawing/2014/main" id="{07E92651-7358-1884-6CF3-0EFA5C390FA2}"/>
+                <a16:creationId xmlns:a16="http://schemas.microsoft.com/office/drawing/2014/main" id="{8595929B-6517-DBE9-CFD6-8F163C533F4A}"/>
               </a:ext>
             </a:extLst>
           </p:cNvPr>
@@ -2286,7 +2286,7 @@
           <p:cNvPr id="4" name="文本占位符 3">
             <a:extLst>
               <a:ext uri="{FF2B5EF4-FFF2-40B4-BE49-F238E27FC236}">
-                <a16:creationId xmlns:a16="http://schemas.microsoft.com/office/drawing/2014/main" id="{09559962-6D2B-D3E8-5CE8-CDC80FDFDE0E}"/>
+                <a16:creationId xmlns:a16="http://schemas.microsoft.com/office/drawing/2014/main" id="{897A16BE-C8E3-12A1-5153-80A98AB82152}"/>
               </a:ext>
             </a:extLst>
           </p:cNvPr>
@@ -2357,7 +2357,7 @@
           <p:cNvPr id="5" name="日期占位符 4">
             <a:extLst>
               <a:ext uri="{FF2B5EF4-FFF2-40B4-BE49-F238E27FC236}">
-                <a16:creationId xmlns:a16="http://schemas.microsoft.com/office/drawing/2014/main" id="{17C8B0AF-2829-89DD-4937-98458A909632}"/>
+                <a16:creationId xmlns:a16="http://schemas.microsoft.com/office/drawing/2014/main" id="{51DC4C5C-D0BE-16B9-3AD3-72425D84A08B}"/>
               </a:ext>
             </a:extLst>
           </p:cNvPr>
@@ -2373,7 +2373,7 @@
           <a:bodyPr/>
           <a:lstStyle/>
           <a:p>
-            <a:fld id="{E0782F02-9FBA-41D1-AD34-98EF71838692}" type="datetimeFigureOut">
+            <a:fld id="{C4587E63-7C0C-48C9-B6D8-17D62E13D389}" type="datetimeFigureOut">
               <a:rPr lang="zh-CN" altLang="en-US" smtClean="0"/>
               <a:t>2024/3/10</a:t>
             </a:fld>
@@ -2386,7 +2386,7 @@
           <p:cNvPr id="6" name="页脚占位符 5">
             <a:extLst>
               <a:ext uri="{FF2B5EF4-FFF2-40B4-BE49-F238E27FC236}">
-                <a16:creationId xmlns:a16="http://schemas.microsoft.com/office/drawing/2014/main" id="{A233F402-9714-FF15-C0E0-90911700D1AE}"/>
+                <a16:creationId xmlns:a16="http://schemas.microsoft.com/office/drawing/2014/main" id="{B832B7FC-12D6-442F-8DA1-29530FB1DC10}"/>
               </a:ext>
             </a:extLst>
           </p:cNvPr>
@@ -2411,7 +2411,7 @@
           <p:cNvPr id="7" name="灯片编号占位符 6">
             <a:extLst>
               <a:ext uri="{FF2B5EF4-FFF2-40B4-BE49-F238E27FC236}">
-                <a16:creationId xmlns:a16="http://schemas.microsoft.com/office/drawing/2014/main" id="{D20AB8A8-E5F9-679E-1342-D93D959FBD18}"/>
+                <a16:creationId xmlns:a16="http://schemas.microsoft.com/office/drawing/2014/main" id="{94B08FEC-0A5D-6C29-C7A4-3D27DF22336E}"/>
               </a:ext>
             </a:extLst>
           </p:cNvPr>
@@ -2427,7 +2427,7 @@
           <a:bodyPr/>
           <a:lstStyle/>
           <a:p>
-            <a:fld id="{154E74EE-114E-4E30-BA72-E3531BB30CEF}" type="slidenum">
+            <a:fld id="{6E45A2E5-C723-49EF-A121-0BEFCCBEF7A4}" type="slidenum">
               <a:rPr lang="zh-CN" altLang="en-US" smtClean="0"/>
               <a:t>‹#›</a:t>
             </a:fld>
@@ -2438,7 +2438,7 @@
     </p:spTree>
     <p:extLst>
       <p:ext uri="{BB962C8B-B14F-4D97-AF65-F5344CB8AC3E}">
-        <p14:creationId xmlns:p14="http://schemas.microsoft.com/office/powerpoint/2010/main" val="1080307148"/>
+        <p14:creationId xmlns:p14="http://schemas.microsoft.com/office/powerpoint/2010/main" val="381599505"/>
       </p:ext>
     </p:extLst>
   </p:cSld>
@@ -2470,7 +2470,7 @@
           <p:cNvPr id="2" name="标题 1">
             <a:extLst>
               <a:ext uri="{FF2B5EF4-FFF2-40B4-BE49-F238E27FC236}">
-                <a16:creationId xmlns:a16="http://schemas.microsoft.com/office/drawing/2014/main" id="{3E261B7E-A86E-4E97-7A8E-F0243510F46C}"/>
+                <a16:creationId xmlns:a16="http://schemas.microsoft.com/office/drawing/2014/main" id="{F1465F61-D69F-6636-7B40-1B064B91ED7D}"/>
               </a:ext>
             </a:extLst>
           </p:cNvPr>
@@ -2507,7 +2507,7 @@
           <p:cNvPr id="3" name="图片占位符 2">
             <a:extLst>
               <a:ext uri="{FF2B5EF4-FFF2-40B4-BE49-F238E27FC236}">
-                <a16:creationId xmlns:a16="http://schemas.microsoft.com/office/drawing/2014/main" id="{32AF4A39-1DA2-45EA-771F-FB7C9C9A36F2}"/>
+                <a16:creationId xmlns:a16="http://schemas.microsoft.com/office/drawing/2014/main" id="{A6B67D05-A0CB-726E-675A-99D83FA08358}"/>
               </a:ext>
             </a:extLst>
           </p:cNvPr>
@@ -2574,7 +2574,7 @@
           <p:cNvPr id="4" name="文本占位符 3">
             <a:extLst>
               <a:ext uri="{FF2B5EF4-FFF2-40B4-BE49-F238E27FC236}">
-                <a16:creationId xmlns:a16="http://schemas.microsoft.com/office/drawing/2014/main" id="{BA85F406-E2C4-C2CE-5F49-867215407F5A}"/>
+                <a16:creationId xmlns:a16="http://schemas.microsoft.com/office/drawing/2014/main" id="{ACDDE103-797F-462D-1EEC-34BEDAD1E3A3}"/>
               </a:ext>
             </a:extLst>
           </p:cNvPr>
@@ -2645,7 +2645,7 @@
           <p:cNvPr id="5" name="日期占位符 4">
             <a:extLst>
               <a:ext uri="{FF2B5EF4-FFF2-40B4-BE49-F238E27FC236}">
-                <a16:creationId xmlns:a16="http://schemas.microsoft.com/office/drawing/2014/main" id="{88628565-E71E-FD06-B8BE-5566C908759D}"/>
+                <a16:creationId xmlns:a16="http://schemas.microsoft.com/office/drawing/2014/main" id="{FF297961-DE3D-C512-7E18-784FC7E17B22}"/>
               </a:ext>
             </a:extLst>
           </p:cNvPr>
@@ -2661,7 +2661,7 @@
           <a:bodyPr/>
           <a:lstStyle/>
           <a:p>
-            <a:fld id="{E0782F02-9FBA-41D1-AD34-98EF71838692}" type="datetimeFigureOut">
+            <a:fld id="{C4587E63-7C0C-48C9-B6D8-17D62E13D389}" type="datetimeFigureOut">
               <a:rPr lang="zh-CN" altLang="en-US" smtClean="0"/>
               <a:t>2024/3/10</a:t>
             </a:fld>
@@ -2674,7 +2674,7 @@
           <p:cNvPr id="6" name="页脚占位符 5">
             <a:extLst>
               <a:ext uri="{FF2B5EF4-FFF2-40B4-BE49-F238E27FC236}">
-                <a16:creationId xmlns:a16="http://schemas.microsoft.com/office/drawing/2014/main" id="{0D6C65C1-D658-A91B-C86E-1F3F904AE39D}"/>
+                <a16:creationId xmlns:a16="http://schemas.microsoft.com/office/drawing/2014/main" id="{54905E28-F6F9-3D88-FCFE-E8121688EC7E}"/>
               </a:ext>
             </a:extLst>
           </p:cNvPr>
@@ -2699,7 +2699,7 @@
           <p:cNvPr id="7" name="灯片编号占位符 6">
             <a:extLst>
               <a:ext uri="{FF2B5EF4-FFF2-40B4-BE49-F238E27FC236}">
-                <a16:creationId xmlns:a16="http://schemas.microsoft.com/office/drawing/2014/main" id="{80CB664F-517F-6979-D7FA-CD958E39D7CA}"/>
+                <a16:creationId xmlns:a16="http://schemas.microsoft.com/office/drawing/2014/main" id="{089F0E55-2EA9-A948-BEBD-F4A16387AF0E}"/>
               </a:ext>
             </a:extLst>
           </p:cNvPr>
@@ -2715,7 +2715,7 @@
           <a:bodyPr/>
           <a:lstStyle/>
           <a:p>
-            <a:fld id="{154E74EE-114E-4E30-BA72-E3531BB30CEF}" type="slidenum">
+            <a:fld id="{6E45A2E5-C723-49EF-A121-0BEFCCBEF7A4}" type="slidenum">
               <a:rPr lang="zh-CN" altLang="en-US" smtClean="0"/>
               <a:t>‹#›</a:t>
             </a:fld>
@@ -2726,7 +2726,7 @@
     </p:spTree>
     <p:extLst>
       <p:ext uri="{BB962C8B-B14F-4D97-AF65-F5344CB8AC3E}">
-        <p14:creationId xmlns:p14="http://schemas.microsoft.com/office/powerpoint/2010/main" val="3554274880"/>
+        <p14:creationId xmlns:p14="http://schemas.microsoft.com/office/powerpoint/2010/main" val="486630034"/>
       </p:ext>
     </p:extLst>
   </p:cSld>
@@ -2763,7 +2763,7 @@
           <p:cNvPr id="2" name="标题占位符 1">
             <a:extLst>
               <a:ext uri="{FF2B5EF4-FFF2-40B4-BE49-F238E27FC236}">
-                <a16:creationId xmlns:a16="http://schemas.microsoft.com/office/drawing/2014/main" id="{C814C9C5-32BD-1CCB-E5B6-3EDFB8EF13A2}"/>
+                <a16:creationId xmlns:a16="http://schemas.microsoft.com/office/drawing/2014/main" id="{EE8C3E1C-49DE-3849-98DF-3FD72BCF6580}"/>
               </a:ext>
             </a:extLst>
           </p:cNvPr>
@@ -2801,7 +2801,7 @@
           <p:cNvPr id="3" name="文本占位符 2">
             <a:extLst>
               <a:ext uri="{FF2B5EF4-FFF2-40B4-BE49-F238E27FC236}">
-                <a16:creationId xmlns:a16="http://schemas.microsoft.com/office/drawing/2014/main" id="{82D49CB7-EF39-4E51-F760-31EFD0881391}"/>
+                <a16:creationId xmlns:a16="http://schemas.microsoft.com/office/drawing/2014/main" id="{77A89A2B-A3C4-E28E-31FE-4F98DFF59FF6}"/>
               </a:ext>
             </a:extLst>
           </p:cNvPr>
@@ -2868,7 +2868,7 @@
           <p:cNvPr id="4" name="日期占位符 3">
             <a:extLst>
               <a:ext uri="{FF2B5EF4-FFF2-40B4-BE49-F238E27FC236}">
-                <a16:creationId xmlns:a16="http://schemas.microsoft.com/office/drawing/2014/main" id="{8A041230-87AB-2A9F-6026-A51EA0AA4606}"/>
+                <a16:creationId xmlns:a16="http://schemas.microsoft.com/office/drawing/2014/main" id="{DB039250-3D0B-3752-276F-CC5263ADE89E}"/>
               </a:ext>
             </a:extLst>
           </p:cNvPr>
@@ -2902,7 +2902,7 @@
             </a:lvl1pPr>
           </a:lstStyle>
           <a:p>
-            <a:fld id="{E0782F02-9FBA-41D1-AD34-98EF71838692}" type="datetimeFigureOut">
+            <a:fld id="{C4587E63-7C0C-48C9-B6D8-17D62E13D389}" type="datetimeFigureOut">
               <a:rPr lang="zh-CN" altLang="en-US" smtClean="0"/>
               <a:t>2024/3/10</a:t>
             </a:fld>
@@ -2915,7 +2915,7 @@
           <p:cNvPr id="5" name="页脚占位符 4">
             <a:extLst>
               <a:ext uri="{FF2B5EF4-FFF2-40B4-BE49-F238E27FC236}">
-                <a16:creationId xmlns:a16="http://schemas.microsoft.com/office/drawing/2014/main" id="{38228858-0F83-2E22-2C34-9F7942B22DA2}"/>
+                <a16:creationId xmlns:a16="http://schemas.microsoft.com/office/drawing/2014/main" id="{F9816609-CE03-515F-866D-521330252674}"/>
               </a:ext>
             </a:extLst>
           </p:cNvPr>
@@ -2958,7 +2958,7 @@
           <p:cNvPr id="6" name="灯片编号占位符 5">
             <a:extLst>
               <a:ext uri="{FF2B5EF4-FFF2-40B4-BE49-F238E27FC236}">
-                <a16:creationId xmlns:a16="http://schemas.microsoft.com/office/drawing/2014/main" id="{3D5B2157-6C1B-47C2-8729-A88DBB728974}"/>
+                <a16:creationId xmlns:a16="http://schemas.microsoft.com/office/drawing/2014/main" id="{A56DEACB-4BEF-BCFA-3E63-A48C39A69DD9}"/>
               </a:ext>
             </a:extLst>
           </p:cNvPr>
@@ -2992,7 +2992,7 @@
             </a:lvl1pPr>
           </a:lstStyle>
           <a:p>
-            <a:fld id="{154E74EE-114E-4E30-BA72-E3531BB30CEF}" type="slidenum">
+            <a:fld id="{6E45A2E5-C723-49EF-A121-0BEFCCBEF7A4}" type="slidenum">
               <a:rPr lang="zh-CN" altLang="en-US" smtClean="0"/>
               <a:t>‹#›</a:t>
             </a:fld>
@@ -3003,7 +3003,7 @@
     </p:spTree>
     <p:extLst>
       <p:ext uri="{BB962C8B-B14F-4D97-AF65-F5344CB8AC3E}">
-        <p14:creationId xmlns:p14="http://schemas.microsoft.com/office/powerpoint/2010/main" val="2312656578"/>
+        <p14:creationId xmlns:p14="http://schemas.microsoft.com/office/powerpoint/2010/main" val="2970934084"/>
       </p:ext>
     </p:extLst>
   </p:cSld>
@@ -3323,7 +3323,7 @@
       </p:grpSpPr>
       <p:pic>
         <p:nvPicPr>
-          <p:cNvPr id="395266" name="Picture 2" descr="385"/>
+          <p:cNvPr id="396290" name="Picture 2" descr="386"/>
           <p:cNvPicPr>
             <a:picLocks noChangeAspect="1" noChangeArrowheads="1"/>
           </p:cNvPicPr>
@@ -3375,158 +3375,11 @@
           </a:extLst>
         </p:spPr>
       </p:pic>
-      <p:pic>
-        <p:nvPicPr>
-          <p:cNvPr id="396291" name="Picture 3" descr="385-2"/>
-          <p:cNvPicPr>
-            <a:picLocks noChangeAspect="1" noChangeArrowheads="1"/>
-          </p:cNvPicPr>
-          <p:nvPr/>
-        </p:nvPicPr>
-        <p:blipFill>
-          <a:blip r:embed="rId3">
-            <a:extLst>
-              <a:ext uri="{28A0092B-C50C-407E-A947-70E740481C1C}">
-                <a14:useLocalDpi xmlns:a14="http://schemas.microsoft.com/office/drawing/2010/main" val="0"/>
-              </a:ext>
-            </a:extLst>
-          </a:blip>
-          <a:srcRect/>
-          <a:stretch>
-            <a:fillRect/>
-          </a:stretch>
-        </p:blipFill>
-        <p:spPr bwMode="auto">
-          <a:xfrm>
-            <a:off x="1524000" y="0"/>
-            <a:ext cx="9144000" cy="6858000"/>
-          </a:xfrm>
-          <a:prstGeom prst="rect">
-            <a:avLst/>
-          </a:prstGeom>
-          <a:noFill/>
-          <a:ln>
-            <a:noFill/>
-          </a:ln>
-          <a:effectLst/>
-          <a:extLst>
-            <a:ext uri="{909E8E84-426E-40DD-AFC4-6F175D3DCCD1}">
-              <a14:hiddenFill xmlns:a14="http://schemas.microsoft.com/office/drawing/2010/main">
-                <a:solidFill>
-                  <a:srgbClr val="FFFFFF"/>
-                </a:solidFill>
-              </a14:hiddenFill>
-            </a:ext>
-            <a:ext uri="{91240B29-F687-4F45-9708-019B960494DF}">
-              <a14:hiddenLine xmlns:a14="http://schemas.microsoft.com/office/drawing/2010/main" w="9525">
-                <a:solidFill>
-                  <a:srgbClr val="000000"/>
-                </a:solidFill>
-                <a:miter lim="800000"/>
-                <a:headEnd/>
-                <a:tailEnd/>
-              </a14:hiddenLine>
-            </a:ext>
-            <a:ext uri="{AF507438-7753-43E0-B8FC-AC1667EBCBE1}">
-              <a14:hiddenEffects xmlns:a14="http://schemas.microsoft.com/office/drawing/2010/main">
-                <a:effectLst>
-                  <a:outerShdw dist="35921" dir="2700000" algn="ctr" rotWithShape="0">
-                    <a:srgbClr val="808080"/>
-                  </a:outerShdw>
-                </a:effectLst>
-              </a14:hiddenEffects>
-            </a:ext>
-          </a:extLst>
-        </p:spPr>
-      </p:pic>
     </p:spTree>
   </p:cSld>
   <p:clrMapOvr>
     <a:masterClrMapping/>
   </p:clrMapOvr>
-  <p:timing>
-    <p:tnLst>
-      <p:par>
-        <p:cTn id="1" dur="indefinite" restart="never" nodeType="tmRoot">
-          <p:childTnLst>
-            <p:seq concurrent="1" nextAc="seek">
-              <p:cTn id="2" dur="indefinite" nodeType="mainSeq">
-                <p:childTnLst>
-                  <p:par>
-                    <p:cTn id="3" fill="hold" nodeType="clickPar">
-                      <p:stCondLst>
-                        <p:cond delay="indefinite"/>
-                      </p:stCondLst>
-                      <p:childTnLst>
-                        <p:par>
-                          <p:cTn id="4" fill="hold" nodeType="withGroup">
-                            <p:stCondLst>
-                              <p:cond delay="0"/>
-                            </p:stCondLst>
-                            <p:childTnLst>
-                              <p:par>
-                                <p:cTn id="5" presetID="10" presetClass="entr" presetSubtype="0" fill="hold" nodeType="clickEffect">
-                                  <p:stCondLst>
-                                    <p:cond delay="0"/>
-                                  </p:stCondLst>
-                                  <p:childTnLst>
-                                    <p:set>
-                                      <p:cBhvr>
-                                        <p:cTn id="6" dur="1" fill="hold">
-                                          <p:stCondLst>
-                                            <p:cond delay="0"/>
-                                          </p:stCondLst>
-                                        </p:cTn>
-                                        <p:tgtEl>
-                                          <p:spTgt spid="396291"/>
-                                        </p:tgtEl>
-                                        <p:attrNameLst>
-                                          <p:attrName>style.visibility</p:attrName>
-                                        </p:attrNameLst>
-                                      </p:cBhvr>
-                                      <p:to>
-                                        <p:strVal val="visible"/>
-                                      </p:to>
-                                    </p:set>
-                                    <p:animEffect transition="in" filter="fade">
-                                      <p:cBhvr>
-                                        <p:cTn id="7" dur="500"/>
-                                        <p:tgtEl>
-                                          <p:spTgt spid="396291"/>
-                                        </p:tgtEl>
-                                      </p:cBhvr>
-                                    </p:animEffect>
-                                  </p:childTnLst>
-                                </p:cTn>
-                              </p:par>
-                            </p:childTnLst>
-                          </p:cTn>
-                        </p:par>
-                      </p:childTnLst>
-                    </p:cTn>
-                  </p:par>
-                </p:childTnLst>
-              </p:cTn>
-              <p:prevCondLst>
-                <p:cond evt="onPrev" delay="0">
-                  <p:tgtEl>
-                    <p:sldTgt/>
-                  </p:tgtEl>
-                </p:cond>
-              </p:prevCondLst>
-              <p:nextCondLst>
-                <p:cond evt="onNext" delay="0">
-                  <p:tgtEl>
-                    <p:sldTgt/>
-                  </p:tgtEl>
-                </p:cond>
-              </p:nextCondLst>
-            </p:seq>
-          </p:childTnLst>
-        </p:cTn>
-      </p:par>
-    </p:tnLst>
-  </p:timing>
 </p:sld>
 </file>
 
